--- a/00.PŁ.ZaawansowaneZagadnieniaProgramowaniawJavie.InformacjePodstawowe.pptx
+++ b/00.PŁ.ZaawansowaneZagadnieniaProgramowaniawJavie.InformacjePodstawowe.pptx
@@ -214,7 +214,7 @@
           <a:p>
             <a:fld id="{93C610F8-E82E-44B5-8989-B2D6DB8B26E2}" type="datetimeFigureOut">
               <a:rPr lang="pl-PL" smtClean="0"/>
-              <a:t>23.02.2018</a:t>
+              <a:t>26.02.2018</a:t>
             </a:fld>
             <a:endParaRPr lang="pl-PL"/>
           </a:p>
@@ -6121,6 +6121,13 @@
       <p:transition spd="slow"/>
     </mc:Fallback>
   </mc:AlternateContent>
+  <p:timing>
+    <p:tnLst>
+      <p:par>
+        <p:cTn id="1" dur="indefinite" restart="never" nodeType="tmRoot"/>
+      </p:par>
+    </p:tnLst>
+  </p:timing>
 </p:sld>
 </file>
 
@@ -6214,6 +6221,13 @@
   <p:clrMapOvr>
     <a:masterClrMapping/>
   </p:clrMapOvr>
+  <p:timing>
+    <p:tnLst>
+      <p:par>
+        <p:cTn id="1" dur="indefinite" restart="never" nodeType="tmRoot"/>
+      </p:par>
+    </p:tnLst>
+  </p:timing>
 </p:sld>
 </file>
 
@@ -6550,6 +6564,13 @@
   <p:clrMapOvr>
     <a:masterClrMapping/>
   </p:clrMapOvr>
+  <p:timing>
+    <p:tnLst>
+      <p:par>
+        <p:cTn id="1" dur="indefinite" restart="never" nodeType="tmRoot"/>
+      </p:par>
+    </p:tnLst>
+  </p:timing>
 </p:sld>
 </file>
 
@@ -6595,69 +6616,85 @@
               <a:rPr lang="pl-PL" dirty="0" smtClean="0"/>
               <a:t>Elementy podlegające ocenie w projekcie grupowym (70% oceny):</a:t>
             </a:r>
+          </a:p>
+          <a:p>
+            <a:pPr lvl="1"/>
+            <a:r>
+              <a:rPr lang="pl-PL" dirty="0" smtClean="0"/>
+              <a:t>Testy</a:t>
+            </a:r>
+          </a:p>
+          <a:p>
+            <a:pPr lvl="1"/>
+            <a:r>
+              <a:rPr lang="pl-PL" dirty="0" smtClean="0"/>
+              <a:t>Docker</a:t>
+            </a:r>
+          </a:p>
+          <a:p>
+            <a:pPr lvl="1"/>
+            <a:r>
+              <a:rPr lang="pl-PL" dirty="0" smtClean="0"/>
+              <a:t>Współpraca z Git/</a:t>
+            </a:r>
+            <a:r>
+              <a:rPr lang="pl-PL" dirty="0" err="1" smtClean="0"/>
+              <a:t>Github</a:t>
+            </a:r>
+            <a:r>
+              <a:rPr lang="pl-PL" dirty="0" smtClean="0"/>
+              <a:t>/CI</a:t>
+            </a:r>
+          </a:p>
+          <a:p>
+            <a:pPr lvl="1"/>
+            <a:r>
+              <a:rPr lang="pl-PL" dirty="0" err="1" smtClean="0"/>
+              <a:t>Clean</a:t>
+            </a:r>
+            <a:r>
+              <a:rPr lang="pl-PL" dirty="0" smtClean="0"/>
+              <a:t> </a:t>
+            </a:r>
+            <a:r>
+              <a:rPr lang="pl-PL" dirty="0" err="1" smtClean="0"/>
+              <a:t>code</a:t>
+            </a:r>
             <a:endParaRPr lang="pl-PL" dirty="0" smtClean="0"/>
           </a:p>
           <a:p>
             <a:pPr lvl="1"/>
             <a:r>
               <a:rPr lang="pl-PL" dirty="0" smtClean="0"/>
-              <a:t>Testy</a:t>
+              <a:t>Integracja z zewnętrznym zasobem po REST</a:t>
             </a:r>
           </a:p>
           <a:p>
             <a:pPr lvl="1"/>
             <a:r>
               <a:rPr lang="pl-PL" dirty="0" smtClean="0"/>
-              <a:t>Docker</a:t>
+              <a:t>Java 8 (</a:t>
+            </a:r>
+            <a:r>
+              <a:rPr lang="pl-PL" dirty="0" err="1" smtClean="0"/>
+              <a:t>Stream&amp;Lambda</a:t>
+            </a:r>
+            <a:r>
+              <a:rPr lang="pl-PL" dirty="0" smtClean="0"/>
+              <a:t>)</a:t>
             </a:r>
           </a:p>
           <a:p>
             <a:pPr lvl="1"/>
             <a:r>
               <a:rPr lang="pl-PL" dirty="0" smtClean="0"/>
-              <a:t>Współpraca z Git/</a:t>
-            </a:r>
-            <a:r>
-              <a:rPr lang="pl-PL" dirty="0" err="1" smtClean="0"/>
-              <a:t>Github</a:t>
-            </a:r>
-            <a:r>
-              <a:rPr lang="pl-PL" dirty="0" smtClean="0"/>
-              <a:t>/CI</a:t>
-            </a:r>
-          </a:p>
-          <a:p>
-            <a:pPr lvl="1"/>
-            <a:r>
-              <a:rPr lang="pl-PL" dirty="0" err="1" smtClean="0"/>
-              <a:t>Clean</a:t>
-            </a:r>
-            <a:r>
-              <a:rPr lang="pl-PL" dirty="0" smtClean="0"/>
-              <a:t> </a:t>
-            </a:r>
-            <a:r>
-              <a:rPr lang="pl-PL" dirty="0" err="1" smtClean="0"/>
-              <a:t>code</a:t>
-            </a:r>
-            <a:endParaRPr lang="pl-PL" dirty="0" smtClean="0"/>
-          </a:p>
-          <a:p>
-            <a:pPr lvl="1"/>
-            <a:r>
-              <a:rPr lang="pl-PL" dirty="0" smtClean="0"/>
-              <a:t>Integracja z zewnętrznym zasobem po REST</a:t>
-            </a:r>
-          </a:p>
-          <a:p>
-            <a:pPr lvl="1"/>
-            <a:r>
-              <a:rPr lang="pl-PL" dirty="0" smtClean="0"/>
-              <a:t>Java 8 (</a:t>
-            </a:r>
-            <a:r>
-              <a:rPr lang="pl-PL" dirty="0" err="1" smtClean="0"/>
-              <a:t>Stream&amp;Lambda</a:t>
+              <a:t>[UI, UX nie mają znaczenia!)</a:t>
+            </a:r>
+          </a:p>
+          <a:p>
+            <a:r>
+              <a:rPr lang="pl-PL" dirty="0" smtClean="0"/>
+              <a:t>Indywidualna odpowiedź ustna (30% oceny</a:t>
             </a:r>
             <a:r>
               <a:rPr lang="pl-PL" dirty="0" smtClean="0"/>
@@ -6665,20 +6702,10 @@
             </a:r>
           </a:p>
           <a:p>
-            <a:pPr lvl="1"/>
-            <a:r>
-              <a:rPr lang="pl-PL" dirty="0" smtClean="0"/>
-              <a:t>[UI, UX nie mają znaczenia!)</a:t>
-            </a:r>
-          </a:p>
-          <a:p>
-            <a:r>
-              <a:rPr lang="pl-PL" dirty="0" smtClean="0"/>
-              <a:t>Indywidualna odpowiedź ustna (30% oceny)</a:t>
-            </a:r>
-          </a:p>
-          <a:p>
-            <a:pPr lvl="1"/>
+            <a:r>
+              <a:rPr lang="pl-PL" dirty="0" smtClean="0"/>
+              <a:t>Obecność</a:t>
+            </a:r>
             <a:endParaRPr lang="pl-PL" dirty="0" smtClean="0"/>
           </a:p>
           <a:p>
@@ -7394,21 +7421,6 @@
 </file>
 
 <file path=customXml/item1.xml><?xml version="1.0" encoding="utf-8"?>
-<?mso-contentType ?>
-<FormTemplates xmlns="http://schemas.microsoft.com/sharepoint/v3/contenttype/forms">
-  <Display>DocumentLibraryForm</Display>
-  <Edit>DocumentLibraryForm</Edit>
-  <New>DocumentLibraryForm</New>
-</FormTemplates>
-</file>
-
-<file path=customXml/item2.xml><?xml version="1.0" encoding="utf-8"?>
-<p:properties xmlns:p="http://schemas.microsoft.com/office/2006/metadata/properties" xmlns:xsi="http://www.w3.org/2001/XMLSchema-instance" xmlns:pc="http://schemas.microsoft.com/office/infopath/2007/PartnerControls">
-  <documentManagement/>
-</p:properties>
-</file>
-
-<file path=customXml/item3.xml><?xml version="1.0" encoding="utf-8"?>
 <ct:contentTypeSchema xmlns:ct="http://schemas.microsoft.com/office/2006/metadata/contentType" xmlns:ma="http://schemas.microsoft.com/office/2006/metadata/properties/metaAttributes" ct:_="" ma:_="" ma:contentTypeName="Dokument" ma:contentTypeID="0x0101008B73FDB3B6CDDC4EABFEF6024518DB1E" ma:contentTypeVersion="0" ma:contentTypeDescription="Utwórz nowy dokument." ma:contentTypeScope="" ma:versionID="5b0fe401cb264f78a723df358f3224ce">
   <xsd:schema xmlns:xsd="http://www.w3.org/2001/XMLSchema" xmlns:xs="http://www.w3.org/2001/XMLSchema" xmlns:p="http://schemas.microsoft.com/office/2006/metadata/properties" targetNamespace="http://schemas.microsoft.com/office/2006/metadata/properties" ma:root="true" ma:fieldsID="2a4808c853e9eb948d4d7c462f60bb1c">
     <xsd:element name="properties">
@@ -7522,10 +7534,33 @@
 </ct:contentTypeSchema>
 </file>
 
+<file path=customXml/item2.xml><?xml version="1.0" encoding="utf-8"?>
+<p:properties xmlns:p="http://schemas.microsoft.com/office/2006/metadata/properties" xmlns:xsi="http://www.w3.org/2001/XMLSchema-instance" xmlns:pc="http://schemas.microsoft.com/office/infopath/2007/PartnerControls">
+  <documentManagement/>
+</p:properties>
+</file>
+
+<file path=customXml/item3.xml><?xml version="1.0" encoding="utf-8"?>
+<?mso-contentType ?>
+<FormTemplates xmlns="http://schemas.microsoft.com/sharepoint/v3/contenttype/forms">
+  <Display>DocumentLibraryForm</Display>
+  <Edit>DocumentLibraryForm</Edit>
+  <New>DocumentLibraryForm</New>
+</FormTemplates>
+</file>
+
 <file path=customXml/itemProps1.xml><?xml version="1.0" encoding="utf-8"?>
-<ds:datastoreItem xmlns:ds="http://schemas.openxmlformats.org/officeDocument/2006/customXml" ds:itemID="{827AA7A2-AD1B-4BA4-9F58-205F3F431C94}">
+<ds:datastoreItem xmlns:ds="http://schemas.openxmlformats.org/officeDocument/2006/customXml" ds:itemID="{7AA8641D-943E-4010-BD2D-2E6745070D94}">
   <ds:schemaRefs>
-    <ds:schemaRef ds:uri="http://schemas.microsoft.com/sharepoint/v3/contenttype/forms"/>
+    <ds:schemaRef ds:uri="http://schemas.microsoft.com/office/2006/metadata/contentType"/>
+    <ds:schemaRef ds:uri="http://schemas.microsoft.com/office/2006/metadata/properties/metaAttributes"/>
+    <ds:schemaRef ds:uri="http://www.w3.org/2001/XMLSchema"/>
+    <ds:schemaRef ds:uri="http://schemas.microsoft.com/office/2006/metadata/properties"/>
+    <ds:schemaRef ds:uri="http://schemas.openxmlformats.org/package/2006/metadata/core-properties"/>
+    <ds:schemaRef ds:uri="http://purl.org/dc/elements/1.1/"/>
+    <ds:schemaRef ds:uri="http://purl.org/dc/terms/"/>
+    <ds:schemaRef ds:uri="http://schemas.microsoft.com/internal/obd"/>
+    <ds:schemaRef ds:uri="http://schemas.microsoft.com/office/infopath/2007/PartnerControls"/>
   </ds:schemaRefs>
 </ds:datastoreItem>
 </file>
@@ -7546,17 +7581,9 @@
 </file>
 
 <file path=customXml/itemProps3.xml><?xml version="1.0" encoding="utf-8"?>
-<ds:datastoreItem xmlns:ds="http://schemas.openxmlformats.org/officeDocument/2006/customXml" ds:itemID="{7AA8641D-943E-4010-BD2D-2E6745070D94}">
+<ds:datastoreItem xmlns:ds="http://schemas.openxmlformats.org/officeDocument/2006/customXml" ds:itemID="{827AA7A2-AD1B-4BA4-9F58-205F3F431C94}">
   <ds:schemaRefs>
-    <ds:schemaRef ds:uri="http://schemas.microsoft.com/office/2006/metadata/contentType"/>
-    <ds:schemaRef ds:uri="http://schemas.microsoft.com/office/2006/metadata/properties/metaAttributes"/>
-    <ds:schemaRef ds:uri="http://www.w3.org/2001/XMLSchema"/>
-    <ds:schemaRef ds:uri="http://schemas.microsoft.com/office/2006/metadata/properties"/>
-    <ds:schemaRef ds:uri="http://schemas.openxmlformats.org/package/2006/metadata/core-properties"/>
-    <ds:schemaRef ds:uri="http://purl.org/dc/elements/1.1/"/>
-    <ds:schemaRef ds:uri="http://purl.org/dc/terms/"/>
-    <ds:schemaRef ds:uri="http://schemas.microsoft.com/internal/obd"/>
-    <ds:schemaRef ds:uri="http://schemas.microsoft.com/office/infopath/2007/PartnerControls"/>
+    <ds:schemaRef ds:uri="http://schemas.microsoft.com/sharepoint/v3/contenttype/forms"/>
   </ds:schemaRefs>
 </ds:datastoreItem>
 </file>